--- a/Later/String/String_4/Java String - String Constant pool.pptx
+++ b/Later/String/String_4/Java String - String Constant pool.pptx
@@ -192,7 +192,7 @@
           <a:p>
             <a:fld id="{62274EC6-3890-417B-9308-14EFBD00FA63}" type="datetimeFigureOut">
               <a:rPr lang="en-US" smtClean="0"/>
-              <a:t>2/8/2016</a:t>
+              <a:t>2/9/2016</a:t>
             </a:fld>
             <a:endParaRPr lang="en-US" dirty="0"/>
           </a:p>
@@ -731,7 +731,7 @@
             <a:fld id="{1D8BD707-D9CF-40AE-B4C6-C98DA3205C09}" type="datetimeFigureOut">
               <a:rPr lang="en-US" smtClean="0"/>
               <a:pPr/>
-              <a:t>2/8/2016</a:t>
+              <a:t>2/9/2016</a:t>
             </a:fld>
             <a:endParaRPr lang="en-US" dirty="0"/>
           </a:p>
@@ -903,7 +903,7 @@
             <a:fld id="{1D8BD707-D9CF-40AE-B4C6-C98DA3205C09}" type="datetimeFigureOut">
               <a:rPr lang="en-US" smtClean="0"/>
               <a:pPr/>
-              <a:t>2/8/2016</a:t>
+              <a:t>2/9/2016</a:t>
             </a:fld>
             <a:endParaRPr lang="en-US" dirty="0"/>
           </a:p>
@@ -1085,7 +1085,7 @@
             <a:fld id="{1D8BD707-D9CF-40AE-B4C6-C98DA3205C09}" type="datetimeFigureOut">
               <a:rPr lang="en-US" smtClean="0"/>
               <a:pPr/>
-              <a:t>2/8/2016</a:t>
+              <a:t>2/9/2016</a:t>
             </a:fld>
             <a:endParaRPr lang="en-US" dirty="0"/>
           </a:p>
@@ -1257,7 +1257,7 @@
             <a:fld id="{1D8BD707-D9CF-40AE-B4C6-C98DA3205C09}" type="datetimeFigureOut">
               <a:rPr lang="en-US" smtClean="0"/>
               <a:pPr/>
-              <a:t>2/8/2016</a:t>
+              <a:t>2/9/2016</a:t>
             </a:fld>
             <a:endParaRPr lang="en-US" dirty="0"/>
           </a:p>
@@ -1505,7 +1505,7 @@
             <a:fld id="{1D8BD707-D9CF-40AE-B4C6-C98DA3205C09}" type="datetimeFigureOut">
               <a:rPr lang="en-US" smtClean="0"/>
               <a:pPr/>
-              <a:t>2/8/2016</a:t>
+              <a:t>2/9/2016</a:t>
             </a:fld>
             <a:endParaRPr lang="en-US" dirty="0"/>
           </a:p>
@@ -1795,7 +1795,7 @@
             <a:fld id="{1D8BD707-D9CF-40AE-B4C6-C98DA3205C09}" type="datetimeFigureOut">
               <a:rPr lang="en-US" smtClean="0"/>
               <a:pPr/>
-              <a:t>2/8/2016</a:t>
+              <a:t>2/9/2016</a:t>
             </a:fld>
             <a:endParaRPr lang="en-US" dirty="0"/>
           </a:p>
@@ -2224,7 +2224,7 @@
             <a:fld id="{1D8BD707-D9CF-40AE-B4C6-C98DA3205C09}" type="datetimeFigureOut">
               <a:rPr lang="en-US" smtClean="0"/>
               <a:pPr/>
-              <a:t>2/8/2016</a:t>
+              <a:t>2/9/2016</a:t>
             </a:fld>
             <a:endParaRPr lang="en-US" dirty="0"/>
           </a:p>
@@ -2344,7 +2344,7 @@
             <a:fld id="{1D8BD707-D9CF-40AE-B4C6-C98DA3205C09}" type="datetimeFigureOut">
               <a:rPr lang="en-US" smtClean="0"/>
               <a:pPr/>
-              <a:t>2/8/2016</a:t>
+              <a:t>2/9/2016</a:t>
             </a:fld>
             <a:endParaRPr lang="en-US" dirty="0"/>
           </a:p>
@@ -2441,7 +2441,7 @@
             <a:fld id="{1D8BD707-D9CF-40AE-B4C6-C98DA3205C09}" type="datetimeFigureOut">
               <a:rPr lang="en-US" smtClean="0"/>
               <a:pPr/>
-              <a:t>2/8/2016</a:t>
+              <a:t>2/9/2016</a:t>
             </a:fld>
             <a:endParaRPr lang="en-US" dirty="0"/>
           </a:p>
@@ -2720,7 +2720,7 @@
             <a:fld id="{1D8BD707-D9CF-40AE-B4C6-C98DA3205C09}" type="datetimeFigureOut">
               <a:rPr lang="en-US" smtClean="0"/>
               <a:pPr/>
-              <a:t>2/8/2016</a:t>
+              <a:t>2/9/2016</a:t>
             </a:fld>
             <a:endParaRPr lang="en-US" dirty="0"/>
           </a:p>
@@ -2975,7 +2975,7 @@
             <a:fld id="{1D8BD707-D9CF-40AE-B4C6-C98DA3205C09}" type="datetimeFigureOut">
               <a:rPr lang="en-US" smtClean="0"/>
               <a:pPr/>
-              <a:t>2/8/2016</a:t>
+              <a:t>2/9/2016</a:t>
             </a:fld>
             <a:endParaRPr lang="en-US" dirty="0"/>
           </a:p>
@@ -3190,7 +3190,7 @@
             <a:fld id="{1D8BD707-D9CF-40AE-B4C6-C98DA3205C09}" type="datetimeFigureOut">
               <a:rPr lang="en-US" smtClean="0"/>
               <a:pPr/>
-              <a:t>2/8/2016</a:t>
+              <a:t>2/9/2016</a:t>
             </a:fld>
             <a:endParaRPr lang="en-US" dirty="0"/>
           </a:p>
@@ -3766,7 +3766,6 @@
               <a:rPr lang="en-US" sz="1200" dirty="0"/>
               <a:t>constant pool</a:t>
             </a:r>
-            <a:endParaRPr lang="en-US" sz="1200" dirty="0"/>
           </a:p>
         </p:txBody>
       </p:sp>
@@ -3778,7 +3777,7 @@
         </p:nvSpPr>
         <p:spPr>
           <a:xfrm>
-            <a:off x="4211038" y="1830988"/>
+            <a:off x="4211038" y="1893287"/>
             <a:ext cx="4229100" cy="1981200"/>
           </a:xfrm>
           <a:prstGeom prst="roundRect">
@@ -3816,7 +3815,7 @@
         </p:nvSpPr>
         <p:spPr>
           <a:xfrm>
-            <a:off x="4896838" y="2288188"/>
+            <a:off x="4896838" y="2235548"/>
             <a:ext cx="3048000" cy="1143000"/>
           </a:xfrm>
           <a:prstGeom prst="ellipse">
@@ -3854,7 +3853,7 @@
         </p:nvSpPr>
         <p:spPr>
           <a:xfrm>
-            <a:off x="7792438" y="1907188"/>
+            <a:off x="5972061" y="1603801"/>
             <a:ext cx="511679" cy="276999"/>
           </a:xfrm>
           <a:prstGeom prst="rect">
@@ -3897,7 +3896,7 @@
         </p:nvSpPr>
         <p:spPr>
           <a:xfrm>
-            <a:off x="5721852" y="3004615"/>
+            <a:off x="5721852" y="3416378"/>
             <a:ext cx="1452449" cy="276999"/>
           </a:xfrm>
           <a:prstGeom prst="rect">
@@ -3941,7 +3940,7 @@
         <p:spPr>
           <a:xfrm>
             <a:off x="6033809" y="2544589"/>
-            <a:ext cx="774058" cy="276999"/>
+            <a:ext cx="899862" cy="276999"/>
           </a:xfrm>
           <a:prstGeom prst="rect">
             <a:avLst/>
@@ -3969,7 +3968,7 @@
           <a:p>
             <a:r>
               <a:rPr lang="en-US" sz="1200" dirty="0" smtClean="0"/>
-              <a:t>Welcome</a:t>
+              <a:t>“Welcome”</a:t>
             </a:r>
             <a:endParaRPr lang="en-US" sz="1200" dirty="0"/>
           </a:p>
@@ -4151,7 +4150,6 @@
               <a:rPr lang="en-US" sz="1200" dirty="0"/>
               <a:t> not create new instance  </a:t>
             </a:r>
-            <a:endParaRPr lang="en-US" sz="1200" dirty="0"/>
           </a:p>
         </p:txBody>
       </p:sp>
@@ -4168,8 +4166,8 @@
           </a:xfrm>
           <a:prstGeom prst="wedgeRoundRectCallout">
             <a:avLst>
-              <a:gd name="adj1" fmla="val 516"/>
-              <a:gd name="adj2" fmla="val -262438"/>
+              <a:gd name="adj1" fmla="val 1244"/>
+              <a:gd name="adj2" fmla="val -194581"/>
               <a:gd name="adj3" fmla="val 16667"/>
             </a:avLst>
           </a:prstGeom>
@@ -4385,7 +4383,6 @@
               <a:rPr lang="en-US" sz="1000" dirty="0"/>
               <a:t>make Java more memory efficient (because no new objects are created if it exists already in string constant pool).</a:t>
             </a:r>
-            <a:endParaRPr lang="en-US" sz="1000" dirty="0"/>
           </a:p>
         </p:txBody>
       </p:sp>
@@ -4433,7 +4430,7 @@
         <p:spPr>
           <a:xfrm flipV="1">
             <a:off x="1696438" y="2683089"/>
-            <a:ext cx="4337371" cy="738575"/>
+            <a:ext cx="4337371" cy="738576"/>
           </a:xfrm>
           <a:prstGeom prst="straightConnector1">
             <a:avLst/>
